--- a/03-fun/lec.pptx
+++ b/03-fun/lec.pptx
@@ -5,7 +5,7 @@
     <p:sldMasterId id="2147483648" r:id="rId1"/>
   </p:sldMasterIdLst>
   <p:notesMasterIdLst>
-    <p:notesMasterId r:id="rId31"/>
+    <p:notesMasterId r:id="rId30"/>
   </p:notesMasterIdLst>
   <p:sldIdLst>
     <p:sldId id="338" r:id="rId2"/>
@@ -25,18 +25,17 @@
     <p:sldId id="481" r:id="rId16"/>
     <p:sldId id="482" r:id="rId17"/>
     <p:sldId id="483" r:id="rId18"/>
-    <p:sldId id="300" r:id="rId19"/>
-    <p:sldId id="487" r:id="rId20"/>
-    <p:sldId id="281" r:id="rId21"/>
-    <p:sldId id="285" r:id="rId22"/>
-    <p:sldId id="493" r:id="rId23"/>
-    <p:sldId id="495" r:id="rId24"/>
-    <p:sldId id="496" r:id="rId25"/>
-    <p:sldId id="498" r:id="rId26"/>
-    <p:sldId id="513" r:id="rId27"/>
-    <p:sldId id="497" r:id="rId28"/>
-    <p:sldId id="499" r:id="rId29"/>
-    <p:sldId id="294" r:id="rId30"/>
+    <p:sldId id="487" r:id="rId19"/>
+    <p:sldId id="281" r:id="rId20"/>
+    <p:sldId id="285" r:id="rId21"/>
+    <p:sldId id="493" r:id="rId22"/>
+    <p:sldId id="495" r:id="rId23"/>
+    <p:sldId id="496" r:id="rId24"/>
+    <p:sldId id="498" r:id="rId25"/>
+    <p:sldId id="513" r:id="rId26"/>
+    <p:sldId id="497" r:id="rId27"/>
+    <p:sldId id="499" r:id="rId28"/>
+    <p:sldId id="294" r:id="rId29"/>
   </p:sldIdLst>
   <p:sldSz cx="10058400" cy="7772400"/>
   <p:notesSz cx="6858000" cy="9144000"/>
@@ -236,7 +235,7 @@
           <a:p>
             <a:fld id="{5367F125-181F-9A48-A24E-AAD89CB055B5}" type="datetimeFigureOut">
               <a:rPr lang="en-US" smtClean="0"/>
-              <a:t>9/4/19</a:t>
+              <a:t>9/5/19</a:t>
             </a:fld>
             <a:endParaRPr lang="en-US"/>
           </a:p>
@@ -697,7 +696,7 @@
           <a:p>
             <a:fld id="{B7975FD5-AB21-4C45-BFE8-1D3F02B463E2}" type="slidenum">
               <a:rPr lang="en-US" smtClean="0"/>
-              <a:t>26</a:t>
+              <a:t>25</a:t>
             </a:fld>
             <a:endParaRPr lang="en-US"/>
           </a:p>
@@ -786,7 +785,7 @@
           <a:p>
             <a:fld id="{B7975FD5-AB21-4C45-BFE8-1D3F02B463E2}" type="slidenum">
               <a:rPr lang="en-US" smtClean="0"/>
-              <a:t>29</a:t>
+              <a:t>28</a:t>
             </a:fld>
             <a:endParaRPr lang="en-US"/>
           </a:p>
@@ -2158,7 +2157,7 @@
           <a:p>
             <a:fld id="{B7975FD5-AB21-4C45-BFE8-1D3F02B463E2}" type="slidenum">
               <a:rPr lang="en-US" smtClean="0"/>
-              <a:t>23</a:t>
+              <a:t>22</a:t>
             </a:fld>
             <a:endParaRPr lang="en-US"/>
           </a:p>
@@ -2242,7 +2241,7 @@
           <a:p>
             <a:fld id="{B7975FD5-AB21-4C45-BFE8-1D3F02B463E2}" type="slidenum">
               <a:rPr lang="en-US" smtClean="0"/>
-              <a:t>24</a:t>
+              <a:t>23</a:t>
             </a:fld>
             <a:endParaRPr lang="en-US"/>
           </a:p>
@@ -2413,7 +2412,7 @@
           <a:p>
             <a:fld id="{96331252-4874-F047-84B8-3D3EF8743E79}" type="datetimeFigureOut">
               <a:rPr lang="en-US" smtClean="0"/>
-              <a:t>9/4/19</a:t>
+              <a:t>9/5/19</a:t>
             </a:fld>
             <a:endParaRPr lang="en-US"/>
           </a:p>
@@ -2680,7 +2679,7 @@
           <a:p>
             <a:fld id="{96331252-4874-F047-84B8-3D3EF8743E79}" type="datetimeFigureOut">
               <a:rPr lang="en-US" smtClean="0"/>
-              <a:t>9/4/19</a:t>
+              <a:t>9/5/19</a:t>
             </a:fld>
             <a:endParaRPr lang="en-US"/>
           </a:p>
@@ -2858,7 +2857,7 @@
           <a:p>
             <a:fld id="{96331252-4874-F047-84B8-3D3EF8743E79}" type="datetimeFigureOut">
               <a:rPr lang="en-US" smtClean="0"/>
-              <a:t>9/4/19</a:t>
+              <a:t>9/5/19</a:t>
             </a:fld>
             <a:endParaRPr lang="en-US"/>
           </a:p>
@@ -3026,7 +3025,7 @@
           <a:p>
             <a:fld id="{96331252-4874-F047-84B8-3D3EF8743E79}" type="datetimeFigureOut">
               <a:rPr lang="en-US" smtClean="0"/>
-              <a:t>9/4/19</a:t>
+              <a:t>9/5/19</a:t>
             </a:fld>
             <a:endParaRPr lang="en-US"/>
           </a:p>
@@ -3271,7 +3270,7 @@
           <a:p>
             <a:fld id="{96331252-4874-F047-84B8-3D3EF8743E79}" type="datetimeFigureOut">
               <a:rPr lang="en-US" smtClean="0"/>
-              <a:t>9/4/19</a:t>
+              <a:t>9/5/19</a:t>
             </a:fld>
             <a:endParaRPr lang="en-US"/>
           </a:p>
@@ -3556,7 +3555,7 @@
           <a:p>
             <a:fld id="{96331252-4874-F047-84B8-3D3EF8743E79}" type="datetimeFigureOut">
               <a:rPr lang="en-US" smtClean="0"/>
-              <a:t>9/4/19</a:t>
+              <a:t>9/5/19</a:t>
             </a:fld>
             <a:endParaRPr lang="en-US"/>
           </a:p>
@@ -3975,7 +3974,7 @@
           <a:p>
             <a:fld id="{96331252-4874-F047-84B8-3D3EF8743E79}" type="datetimeFigureOut">
               <a:rPr lang="en-US" smtClean="0"/>
-              <a:t>9/4/19</a:t>
+              <a:t>9/5/19</a:t>
             </a:fld>
             <a:endParaRPr lang="en-US"/>
           </a:p>
@@ -4092,7 +4091,7 @@
           <a:p>
             <a:fld id="{96331252-4874-F047-84B8-3D3EF8743E79}" type="datetimeFigureOut">
               <a:rPr lang="en-US" smtClean="0"/>
-              <a:t>9/4/19</a:t>
+              <a:t>9/5/19</a:t>
             </a:fld>
             <a:endParaRPr lang="en-US"/>
           </a:p>
@@ -4187,7 +4186,7 @@
           <a:p>
             <a:fld id="{96331252-4874-F047-84B8-3D3EF8743E79}" type="datetimeFigureOut">
               <a:rPr lang="en-US" smtClean="0"/>
-              <a:t>9/4/19</a:t>
+              <a:t>9/5/19</a:t>
             </a:fld>
             <a:endParaRPr lang="en-US"/>
           </a:p>
@@ -4462,7 +4461,7 @@
           <a:p>
             <a:fld id="{96331252-4874-F047-84B8-3D3EF8743E79}" type="datetimeFigureOut">
               <a:rPr lang="en-US" smtClean="0"/>
-              <a:t>9/4/19</a:t>
+              <a:t>9/5/19</a:t>
             </a:fld>
             <a:endParaRPr lang="en-US"/>
           </a:p>
@@ -4714,7 +4713,7 @@
           <a:p>
             <a:fld id="{96331252-4874-F047-84B8-3D3EF8743E79}" type="datetimeFigureOut">
               <a:rPr lang="en-US" smtClean="0"/>
-              <a:t>9/4/19</a:t>
+              <a:t>9/5/19</a:t>
             </a:fld>
             <a:endParaRPr lang="en-US"/>
           </a:p>
@@ -4928,7 +4927,7 @@
             <a:fld id="{96331252-4874-F047-84B8-3D3EF8743E79}" type="datetimeFigureOut">
               <a:rPr lang="en-US" smtClean="0"/>
               <a:pPr/>
-              <a:t>9/4/19</a:t>
+              <a:t>9/5/19</a:t>
             </a:fld>
             <a:endParaRPr lang="en-US"/>
           </a:p>
@@ -7495,307 +7494,6 @@
       </p:grpSpPr>
       <p:sp>
         <p:nvSpPr>
-          <p:cNvPr id="2" name="Title 1"/>
-          <p:cNvSpPr>
-            <a:spLocks noGrp="1"/>
-          </p:cNvSpPr>
-          <p:nvPr>
-            <p:ph type="title"/>
-          </p:nvPr>
-        </p:nvSpPr>
-        <p:spPr/>
-        <p:txBody>
-          <a:bodyPr/>
-          <a:lstStyle/>
-          <a:p>
-            <a:r>
-              <a:rPr lang="en-US" dirty="0"/>
-              <a:t>Reverse application</a:t>
-            </a:r>
-          </a:p>
-        </p:txBody>
-      </p:sp>
-      <p:sp>
-        <p:nvSpPr>
-          <p:cNvPr id="3" name="Content Placeholder 2"/>
-          <p:cNvSpPr>
-            <a:spLocks noGrp="1"/>
-          </p:cNvSpPr>
-          <p:nvPr>
-            <p:ph idx="1"/>
-          </p:nvPr>
-        </p:nvSpPr>
-        <p:spPr/>
-        <p:txBody>
-          <a:bodyPr/>
-          <a:lstStyle/>
-          <a:p>
-            <a:r>
-              <a:rPr lang="en-US" dirty="0"/>
-              <a:t>Instead of </a:t>
-            </a:r>
-            <a:r>
-              <a:rPr lang="en-US" b="1" dirty="0">
-                <a:latin typeface="Courier"/>
-                <a:cs typeface="Courier"/>
-              </a:rPr>
-              <a:t>f e</a:t>
-            </a:r>
-            <a:r>
-              <a:rPr lang="en-US" dirty="0"/>
-              <a:t> can write </a:t>
-            </a:r>
-            <a:r>
-              <a:rPr lang="en-US" b="1" dirty="0">
-                <a:latin typeface="Courier"/>
-                <a:cs typeface="Courier"/>
-              </a:rPr>
-              <a:t>e |&gt; f</a:t>
-            </a:r>
-          </a:p>
-          <a:p>
-            <a:r>
-              <a:rPr lang="en-US" dirty="0"/>
-              <a:t>Use: </a:t>
-            </a:r>
-            <a:r>
-              <a:rPr lang="en-US" dirty="0">
-                <a:solidFill>
-                  <a:schemeClr val="accent1"/>
-                </a:solidFill>
-              </a:rPr>
-              <a:t>pipeline</a:t>
-            </a:r>
-            <a:r>
-              <a:rPr lang="en-US" dirty="0"/>
-              <a:t> a value through several functions</a:t>
-            </a:r>
-            <a:br>
-              <a:rPr lang="en-US" dirty="0"/>
-            </a:br>
-            <a:r>
-              <a:rPr lang="en-US" b="1" dirty="0">
-                <a:latin typeface="Courier"/>
-                <a:cs typeface="Courier"/>
-              </a:rPr>
-              <a:t>5 |&gt; </a:t>
-            </a:r>
-            <a:r>
-              <a:rPr lang="en-US" b="1" dirty="0" err="1">
-                <a:latin typeface="Courier"/>
-                <a:cs typeface="Courier"/>
-              </a:rPr>
-              <a:t>inc</a:t>
-            </a:r>
-            <a:r>
-              <a:rPr lang="en-US" b="1" dirty="0">
-                <a:latin typeface="Courier"/>
-                <a:cs typeface="Courier"/>
-              </a:rPr>
-              <a:t> |&gt; square (* ==&gt; 36*)</a:t>
-            </a:r>
-          </a:p>
-          <a:p>
-            <a:endParaRPr lang="en-US" b="1" dirty="0">
-              <a:latin typeface="Courier"/>
-              <a:cs typeface="Courier"/>
-            </a:endParaRPr>
-          </a:p>
-          <a:p>
-            <a:pPr marL="0" indent="0">
-              <a:buNone/>
-            </a:pPr>
-            <a:r>
-              <a:rPr lang="en-US" dirty="0">
-                <a:latin typeface="Cronos Pro" panose="020C0502030403020304" pitchFamily="34" charset="77"/>
-                <a:cs typeface="Courier"/>
-              </a:rPr>
-              <a:t>assuming</a:t>
-            </a:r>
-          </a:p>
-          <a:p>
-            <a:pPr marL="0" indent="0">
-              <a:buNone/>
-            </a:pPr>
-            <a:r>
-              <a:rPr lang="en-US" b="1" dirty="0">
-                <a:solidFill>
-                  <a:srgbClr val="6B0001"/>
-                </a:solidFill>
-                <a:latin typeface="Courier-Bold" pitchFamily="2" charset="0"/>
-              </a:rPr>
-              <a:t>let</a:t>
-            </a:r>
-            <a:r>
-              <a:rPr lang="en-US" dirty="0">
-                <a:solidFill>
-                  <a:srgbClr val="000000"/>
-                </a:solidFill>
-                <a:latin typeface="Courier" pitchFamily="2" charset="0"/>
-              </a:rPr>
-              <a:t> </a:t>
-            </a:r>
-            <a:r>
-              <a:rPr lang="en-US" dirty="0" err="1">
-                <a:solidFill>
-                  <a:srgbClr val="000000"/>
-                </a:solidFill>
-                <a:latin typeface="Courier" pitchFamily="2" charset="0"/>
-              </a:rPr>
-              <a:t>inc</a:t>
-            </a:r>
-            <a:r>
-              <a:rPr lang="en-US" dirty="0">
-                <a:solidFill>
-                  <a:srgbClr val="000000"/>
-                </a:solidFill>
-                <a:latin typeface="Courier" pitchFamily="2" charset="0"/>
-              </a:rPr>
-              <a:t> x </a:t>
-            </a:r>
-            <a:r>
-              <a:rPr lang="en-US" dirty="0">
-                <a:solidFill>
-                  <a:srgbClr val="6D6F24"/>
-                </a:solidFill>
-                <a:latin typeface="Courier" pitchFamily="2" charset="0"/>
-              </a:rPr>
-              <a:t>=</a:t>
-            </a:r>
-            <a:r>
-              <a:rPr lang="en-US" dirty="0">
-                <a:solidFill>
-                  <a:srgbClr val="000000"/>
-                </a:solidFill>
-                <a:latin typeface="Courier" pitchFamily="2" charset="0"/>
-              </a:rPr>
-              <a:t> x </a:t>
-            </a:r>
-            <a:r>
-              <a:rPr lang="en-US" dirty="0">
-                <a:solidFill>
-                  <a:srgbClr val="6D6F24"/>
-                </a:solidFill>
-                <a:latin typeface="Courier" pitchFamily="2" charset="0"/>
-              </a:rPr>
-              <a:t>+</a:t>
-            </a:r>
-            <a:r>
-              <a:rPr lang="en-US" dirty="0">
-                <a:solidFill>
-                  <a:srgbClr val="000000"/>
-                </a:solidFill>
-                <a:latin typeface="Courier" pitchFamily="2" charset="0"/>
-              </a:rPr>
-              <a:t> </a:t>
-            </a:r>
-            <a:r>
-              <a:rPr lang="en-US" dirty="0">
-                <a:solidFill>
-                  <a:srgbClr val="107D02"/>
-                </a:solidFill>
-                <a:latin typeface="Courier" pitchFamily="2" charset="0"/>
-              </a:rPr>
-              <a:t>1</a:t>
-            </a:r>
-          </a:p>
-          <a:p>
-            <a:pPr marL="0" indent="0">
-              <a:buNone/>
-            </a:pPr>
-            <a:r>
-              <a:rPr lang="en-US" b="1" dirty="0">
-                <a:solidFill>
-                  <a:srgbClr val="6B0001"/>
-                </a:solidFill>
-                <a:latin typeface="Courier-Bold" pitchFamily="2" charset="0"/>
-              </a:rPr>
-              <a:t>let</a:t>
-            </a:r>
-            <a:r>
-              <a:rPr lang="en-US" dirty="0">
-                <a:solidFill>
-                  <a:srgbClr val="000000"/>
-                </a:solidFill>
-                <a:latin typeface="Courier" pitchFamily="2" charset="0"/>
-              </a:rPr>
-              <a:t> square x </a:t>
-            </a:r>
-            <a:r>
-              <a:rPr lang="en-US" dirty="0">
-                <a:solidFill>
-                  <a:srgbClr val="6D6F24"/>
-                </a:solidFill>
-                <a:latin typeface="Courier" pitchFamily="2" charset="0"/>
-              </a:rPr>
-              <a:t>=</a:t>
-            </a:r>
-            <a:r>
-              <a:rPr lang="en-US" dirty="0">
-                <a:solidFill>
-                  <a:srgbClr val="000000"/>
-                </a:solidFill>
-                <a:latin typeface="Courier" pitchFamily="2" charset="0"/>
-              </a:rPr>
-              <a:t> x </a:t>
-            </a:r>
-            <a:r>
-              <a:rPr lang="en-US" dirty="0">
-                <a:solidFill>
-                  <a:srgbClr val="6D6F24"/>
-                </a:solidFill>
-                <a:latin typeface="Courier" pitchFamily="2" charset="0"/>
-              </a:rPr>
-              <a:t>*</a:t>
-            </a:r>
-            <a:r>
-              <a:rPr lang="en-US" dirty="0">
-                <a:solidFill>
-                  <a:srgbClr val="000000"/>
-                </a:solidFill>
-                <a:latin typeface="Courier" pitchFamily="2" charset="0"/>
-              </a:rPr>
-              <a:t> x</a:t>
-            </a:r>
-            <a:endParaRPr lang="en-US" dirty="0">
-              <a:latin typeface="Cronos Pro" panose="020C0502030403020304" pitchFamily="34" charset="77"/>
-              <a:cs typeface="Courier"/>
-            </a:endParaRPr>
-          </a:p>
-        </p:txBody>
-      </p:sp>
-    </p:spTree>
-    <p:extLst>
-      <p:ext uri="{BB962C8B-B14F-4D97-AF65-F5344CB8AC3E}">
-        <p14:creationId xmlns:p14="http://schemas.microsoft.com/office/powerpoint/2010/main" val="1580583920"/>
-      </p:ext>
-    </p:extLst>
-  </p:cSld>
-  <p:clrMapOvr>
-    <a:masterClrMapping/>
-  </p:clrMapOvr>
-</p:sld>
-</file>
-
-<file path=ppt/slides/slide19.xml><?xml version="1.0" encoding="utf-8"?>
-<p:sld xmlns:a="http://schemas.openxmlformats.org/drawingml/2006/main" xmlns:r="http://schemas.openxmlformats.org/officeDocument/2006/relationships" xmlns:p="http://schemas.openxmlformats.org/presentationml/2006/main">
-  <p:cSld>
-    <p:spTree>
-      <p:nvGrpSpPr>
-        <p:cNvPr id="1" name=""/>
-        <p:cNvGrpSpPr/>
-        <p:nvPr/>
-      </p:nvGrpSpPr>
-      <p:grpSpPr>
-        <a:xfrm>
-          <a:off x="0" y="0"/>
-          <a:ext cx="0" cy="0"/>
-          <a:chOff x="0" y="0"/>
-          <a:chExt cx="0" cy="0"/>
-        </a:xfrm>
-      </p:grpSpPr>
-      <p:sp>
-        <p:nvSpPr>
           <p:cNvPr id="4" name="Title 3">
             <a:extLst>
               <a:ext uri="{FF2B5EF4-FFF2-40B4-BE49-F238E27FC236}">
@@ -7860,90 +7558,7 @@
 </p:sld>
 </file>
 
-<file path=ppt/slides/slide2.xml><?xml version="1.0" encoding="utf-8"?>
-<p:sld xmlns:a="http://schemas.openxmlformats.org/drawingml/2006/main" xmlns:r="http://schemas.openxmlformats.org/officeDocument/2006/relationships" xmlns:p="http://schemas.openxmlformats.org/presentationml/2006/main">
-  <p:cSld>
-    <p:spTree>
-      <p:nvGrpSpPr>
-        <p:cNvPr id="1" name=""/>
-        <p:cNvGrpSpPr/>
-        <p:nvPr/>
-      </p:nvGrpSpPr>
-      <p:grpSpPr>
-        <a:xfrm>
-          <a:off x="0" y="0"/>
-          <a:ext cx="0" cy="0"/>
-          <a:chOff x="0" y="0"/>
-          <a:chExt cx="0" cy="0"/>
-        </a:xfrm>
-      </p:grpSpPr>
-      <p:sp>
-        <p:nvSpPr>
-          <p:cNvPr id="4" name="Title 3">
-            <a:extLst>
-              <a:ext uri="{FF2B5EF4-FFF2-40B4-BE49-F238E27FC236}">
-                <a16:creationId xmlns:a16="http://schemas.microsoft.com/office/drawing/2014/main" id="{DCE96A37-B05B-5F4A-A39B-5E58B4C3BE97}"/>
-              </a:ext>
-            </a:extLst>
-          </p:cNvPr>
-          <p:cNvSpPr>
-            <a:spLocks noGrp="1"/>
-          </p:cNvSpPr>
-          <p:nvPr>
-            <p:ph type="title"/>
-          </p:nvPr>
-        </p:nvSpPr>
-        <p:spPr/>
-        <p:txBody>
-          <a:bodyPr/>
-          <a:lstStyle/>
-          <a:p>
-            <a:r>
-              <a:rPr lang="en-US" dirty="0"/>
-              <a:t>Clicker Question 1</a:t>
-            </a:r>
-          </a:p>
-        </p:txBody>
-      </p:sp>
-      <p:sp>
-        <p:nvSpPr>
-          <p:cNvPr id="3" name="Text Placeholder 2">
-            <a:extLst>
-              <a:ext uri="{FF2B5EF4-FFF2-40B4-BE49-F238E27FC236}">
-                <a16:creationId xmlns:a16="http://schemas.microsoft.com/office/drawing/2014/main" id="{73A94DE7-74CB-094D-B0B6-4EF1FD077E5D}"/>
-              </a:ext>
-            </a:extLst>
-          </p:cNvPr>
-          <p:cNvSpPr>
-            <a:spLocks noGrp="1"/>
-          </p:cNvSpPr>
-          <p:nvPr>
-            <p:ph type="body" idx="1"/>
-          </p:nvPr>
-        </p:nvSpPr>
-        <p:spPr/>
-        <p:txBody>
-          <a:bodyPr/>
-          <a:lstStyle/>
-          <a:p>
-            <a:endParaRPr lang="en-US"/>
-          </a:p>
-        </p:txBody>
-      </p:sp>
-    </p:spTree>
-    <p:extLst>
-      <p:ext uri="{BB962C8B-B14F-4D97-AF65-F5344CB8AC3E}">
-        <p14:creationId xmlns:p14="http://schemas.microsoft.com/office/powerpoint/2010/main" val="377656801"/>
-      </p:ext>
-    </p:extLst>
-  </p:cSld>
-  <p:clrMapOvr>
-    <a:masterClrMapping/>
-  </p:clrMapOvr>
-</p:sld>
-</file>
-
-<file path=ppt/slides/slide20.xml><?xml version="1.0" encoding="utf-8"?>
+<file path=ppt/slides/slide19.xml><?xml version="1.0" encoding="utf-8"?>
 <p:sld xmlns:a="http://schemas.openxmlformats.org/drawingml/2006/main" xmlns:r="http://schemas.openxmlformats.org/officeDocument/2006/relationships" xmlns:p="http://schemas.openxmlformats.org/presentationml/2006/main">
   <p:cSld>
     <p:spTree>
@@ -8427,6 +8042,380 @@
 </p:sld>
 </file>
 
+<file path=ppt/slides/slide2.xml><?xml version="1.0" encoding="utf-8"?>
+<p:sld xmlns:a="http://schemas.openxmlformats.org/drawingml/2006/main" xmlns:r="http://schemas.openxmlformats.org/officeDocument/2006/relationships" xmlns:p="http://schemas.openxmlformats.org/presentationml/2006/main">
+  <p:cSld>
+    <p:spTree>
+      <p:nvGrpSpPr>
+        <p:cNvPr id="1" name=""/>
+        <p:cNvGrpSpPr/>
+        <p:nvPr/>
+      </p:nvGrpSpPr>
+      <p:grpSpPr>
+        <a:xfrm>
+          <a:off x="0" y="0"/>
+          <a:ext cx="0" cy="0"/>
+          <a:chOff x="0" y="0"/>
+          <a:chExt cx="0" cy="0"/>
+        </a:xfrm>
+      </p:grpSpPr>
+      <p:sp>
+        <p:nvSpPr>
+          <p:cNvPr id="4" name="Title 3">
+            <a:extLst>
+              <a:ext uri="{FF2B5EF4-FFF2-40B4-BE49-F238E27FC236}">
+                <a16:creationId xmlns:a16="http://schemas.microsoft.com/office/drawing/2014/main" id="{DCE96A37-B05B-5F4A-A39B-5E58B4C3BE97}"/>
+              </a:ext>
+            </a:extLst>
+          </p:cNvPr>
+          <p:cNvSpPr>
+            <a:spLocks noGrp="1"/>
+          </p:cNvSpPr>
+          <p:nvPr>
+            <p:ph type="title"/>
+          </p:nvPr>
+        </p:nvSpPr>
+        <p:spPr/>
+        <p:txBody>
+          <a:bodyPr/>
+          <a:lstStyle/>
+          <a:p>
+            <a:r>
+              <a:rPr lang="en-US" dirty="0"/>
+              <a:t>Clicker Question 1</a:t>
+            </a:r>
+          </a:p>
+        </p:txBody>
+      </p:sp>
+      <p:sp>
+        <p:nvSpPr>
+          <p:cNvPr id="3" name="Text Placeholder 2">
+            <a:extLst>
+              <a:ext uri="{FF2B5EF4-FFF2-40B4-BE49-F238E27FC236}">
+                <a16:creationId xmlns:a16="http://schemas.microsoft.com/office/drawing/2014/main" id="{73A94DE7-74CB-094D-B0B6-4EF1FD077E5D}"/>
+              </a:ext>
+            </a:extLst>
+          </p:cNvPr>
+          <p:cNvSpPr>
+            <a:spLocks noGrp="1"/>
+          </p:cNvSpPr>
+          <p:nvPr>
+            <p:ph type="body" idx="1"/>
+          </p:nvPr>
+        </p:nvSpPr>
+        <p:spPr/>
+        <p:txBody>
+          <a:bodyPr/>
+          <a:lstStyle/>
+          <a:p>
+            <a:endParaRPr lang="en-US"/>
+          </a:p>
+        </p:txBody>
+      </p:sp>
+    </p:spTree>
+    <p:extLst>
+      <p:ext uri="{BB962C8B-B14F-4D97-AF65-F5344CB8AC3E}">
+        <p14:creationId xmlns:p14="http://schemas.microsoft.com/office/powerpoint/2010/main" val="377656801"/>
+      </p:ext>
+    </p:extLst>
+  </p:cSld>
+  <p:clrMapOvr>
+    <a:masterClrMapping/>
+  </p:clrMapOvr>
+</p:sld>
+</file>
+
+<file path=ppt/slides/slide20.xml><?xml version="1.0" encoding="utf-8"?>
+<p:sld xmlns:a="http://schemas.openxmlformats.org/drawingml/2006/main" xmlns:r="http://schemas.openxmlformats.org/officeDocument/2006/relationships" xmlns:p="http://schemas.openxmlformats.org/presentationml/2006/main">
+  <p:cSld>
+    <p:spTree>
+      <p:nvGrpSpPr>
+        <p:cNvPr id="1" name=""/>
+        <p:cNvGrpSpPr/>
+        <p:nvPr/>
+      </p:nvGrpSpPr>
+      <p:grpSpPr>
+        <a:xfrm>
+          <a:off x="0" y="0"/>
+          <a:ext cx="0" cy="0"/>
+          <a:chOff x="0" y="0"/>
+          <a:chExt cx="0" cy="0"/>
+        </a:xfrm>
+      </p:grpSpPr>
+      <p:sp>
+        <p:nvSpPr>
+          <p:cNvPr id="2" name="Title 1"/>
+          <p:cNvSpPr>
+            <a:spLocks noGrp="1"/>
+          </p:cNvSpPr>
+          <p:nvPr>
+            <p:ph type="title"/>
+          </p:nvPr>
+        </p:nvSpPr>
+        <p:spPr/>
+        <p:txBody>
+          <a:bodyPr/>
+          <a:lstStyle/>
+          <a:p>
+            <a:r>
+              <a:rPr lang="en-US" dirty="0"/>
+              <a:t>Function application</a:t>
+            </a:r>
+          </a:p>
+        </p:txBody>
+      </p:sp>
+      <p:sp>
+        <p:nvSpPr>
+          <p:cNvPr id="3" name="Content Placeholder 2"/>
+          <p:cNvSpPr>
+            <a:spLocks noGrp="1"/>
+          </p:cNvSpPr>
+          <p:nvPr>
+            <p:ph idx="1"/>
+          </p:nvPr>
+        </p:nvSpPr>
+        <p:spPr/>
+        <p:txBody>
+          <a:bodyPr>
+            <a:normAutofit/>
+          </a:bodyPr>
+          <a:lstStyle/>
+          <a:p>
+            <a:pPr marL="0" indent="0">
+              <a:buNone/>
+            </a:pPr>
+            <a:r>
+              <a:rPr lang="en-US" b="1" dirty="0">
+                <a:solidFill>
+                  <a:schemeClr val="accent2"/>
+                </a:solidFill>
+              </a:rPr>
+              <a:t>Type checking:</a:t>
+            </a:r>
+          </a:p>
+          <a:p>
+            <a:pPr marL="0" indent="0">
+              <a:buNone/>
+            </a:pPr>
+            <a:endParaRPr lang="en-US" b="1" dirty="0">
+              <a:solidFill>
+                <a:schemeClr val="accent2"/>
+              </a:solidFill>
+            </a:endParaRPr>
+          </a:p>
+          <a:p>
+            <a:pPr marL="0" indent="0">
+              <a:buNone/>
+            </a:pPr>
+            <a:r>
+              <a:rPr lang="en-US" sz="3100" dirty="0">
+                <a:solidFill>
+                  <a:schemeClr val="accent2"/>
+                </a:solidFill>
+              </a:rPr>
+              <a:t>      If 		</a:t>
+            </a:r>
+            <a:r>
+              <a:rPr lang="en-US" sz="3100" b="1" dirty="0">
+                <a:solidFill>
+                  <a:schemeClr val="accent2"/>
+                </a:solidFill>
+                <a:latin typeface="Courier"/>
+              </a:rPr>
+              <a:t>e0</a:t>
+            </a:r>
+            <a:r>
+              <a:rPr lang="en-US" sz="3100" b="1" dirty="0">
+                <a:solidFill>
+                  <a:schemeClr val="accent2"/>
+                </a:solidFill>
+                <a:latin typeface="Courier"/>
+                <a:cs typeface="Courier"/>
+              </a:rPr>
+              <a:t> : t1 -&gt; ... -&gt; </a:t>
+            </a:r>
+            <a:r>
+              <a:rPr lang="en-US" sz="3100" b="1" dirty="0" err="1">
+                <a:solidFill>
+                  <a:schemeClr val="accent2"/>
+                </a:solidFill>
+                <a:latin typeface="Courier"/>
+                <a:cs typeface="Courier"/>
+              </a:rPr>
+              <a:t>tn</a:t>
+            </a:r>
+            <a:r>
+              <a:rPr lang="en-US" sz="3100" b="1" dirty="0">
+                <a:solidFill>
+                  <a:schemeClr val="accent2"/>
+                </a:solidFill>
+                <a:latin typeface="Courier"/>
+                <a:cs typeface="Courier"/>
+              </a:rPr>
+              <a:t> -&gt; u</a:t>
+            </a:r>
+          </a:p>
+          <a:p>
+            <a:pPr marL="509412" lvl="1" indent="0">
+              <a:buNone/>
+            </a:pPr>
+            <a:r>
+              <a:rPr lang="en-US" dirty="0">
+                <a:solidFill>
+                  <a:schemeClr val="accent2"/>
+                </a:solidFill>
+              </a:rPr>
+              <a:t>And 	</a:t>
+            </a:r>
+            <a:r>
+              <a:rPr lang="en-US" b="1" dirty="0">
+                <a:solidFill>
+                  <a:schemeClr val="accent2"/>
+                </a:solidFill>
+                <a:latin typeface="Courier"/>
+                <a:cs typeface="Courier"/>
+              </a:rPr>
+              <a:t>e1 : t1,</a:t>
+            </a:r>
+          </a:p>
+          <a:p>
+            <a:pPr marL="509412" lvl="1" indent="0">
+              <a:buNone/>
+            </a:pPr>
+            <a:r>
+              <a:rPr lang="en-US" b="1" dirty="0">
+                <a:solidFill>
+                  <a:schemeClr val="accent2"/>
+                </a:solidFill>
+                <a:latin typeface="Courier"/>
+                <a:cs typeface="Courier"/>
+              </a:rPr>
+              <a:t>		...,</a:t>
+            </a:r>
+          </a:p>
+          <a:p>
+            <a:pPr marL="509412" lvl="1" indent="0">
+              <a:buNone/>
+            </a:pPr>
+            <a:r>
+              <a:rPr lang="en-US" b="1" dirty="0">
+                <a:solidFill>
+                  <a:schemeClr val="accent2"/>
+                </a:solidFill>
+                <a:latin typeface="Courier"/>
+                <a:cs typeface="Courier"/>
+              </a:rPr>
+              <a:t>		</a:t>
+            </a:r>
+            <a:r>
+              <a:rPr lang="en-US" b="1" dirty="0" err="1">
+                <a:solidFill>
+                  <a:schemeClr val="accent2"/>
+                </a:solidFill>
+                <a:latin typeface="Courier"/>
+                <a:cs typeface="Courier"/>
+              </a:rPr>
+              <a:t>en</a:t>
+            </a:r>
+            <a:r>
+              <a:rPr lang="en-US" b="1" dirty="0">
+                <a:solidFill>
+                  <a:schemeClr val="accent2"/>
+                </a:solidFill>
+                <a:latin typeface="Courier"/>
+                <a:cs typeface="Courier"/>
+              </a:rPr>
+              <a:t> : </a:t>
+            </a:r>
+            <a:r>
+              <a:rPr lang="en-US" b="1" dirty="0" err="1">
+                <a:solidFill>
+                  <a:schemeClr val="accent2"/>
+                </a:solidFill>
+                <a:latin typeface="Courier"/>
+                <a:cs typeface="Courier"/>
+              </a:rPr>
+              <a:t>tn</a:t>
+            </a:r>
+            <a:endParaRPr lang="en-US" b="1" dirty="0">
+              <a:solidFill>
+                <a:schemeClr val="accent2"/>
+              </a:solidFill>
+              <a:latin typeface="Courier"/>
+              <a:cs typeface="Courier"/>
+            </a:endParaRPr>
+          </a:p>
+          <a:p>
+            <a:pPr marL="509412" lvl="1" indent="0">
+              <a:buNone/>
+            </a:pPr>
+            <a:endParaRPr lang="en-US" b="1" dirty="0">
+              <a:solidFill>
+                <a:schemeClr val="accent2"/>
+              </a:solidFill>
+              <a:latin typeface="Courier"/>
+              <a:cs typeface="Courier"/>
+            </a:endParaRPr>
+          </a:p>
+          <a:p>
+            <a:pPr marL="509412" lvl="1" indent="0">
+              <a:buNone/>
+            </a:pPr>
+            <a:r>
+              <a:rPr lang="en-US" dirty="0">
+                <a:solidFill>
+                  <a:schemeClr val="accent2"/>
+                </a:solidFill>
+              </a:rPr>
+              <a:t>Then	</a:t>
+            </a:r>
+            <a:r>
+              <a:rPr lang="en-US" b="1" dirty="0">
+                <a:solidFill>
+                  <a:schemeClr val="accent2"/>
+                </a:solidFill>
+                <a:latin typeface="Courier"/>
+              </a:rPr>
+              <a:t>e0</a:t>
+            </a:r>
+            <a:r>
+              <a:rPr lang="en-US" b="1" dirty="0">
+                <a:solidFill>
+                  <a:schemeClr val="accent2"/>
+                </a:solidFill>
+                <a:latin typeface="Courier"/>
+                <a:cs typeface="Courier"/>
+              </a:rPr>
+              <a:t> e1 ... en : u</a:t>
+            </a:r>
+          </a:p>
+          <a:p>
+            <a:pPr marL="63677" indent="0">
+              <a:buNone/>
+            </a:pPr>
+            <a:endParaRPr lang="en-US" b="1" dirty="0">
+              <a:solidFill>
+                <a:schemeClr val="accent2"/>
+              </a:solidFill>
+              <a:latin typeface="Courier"/>
+              <a:cs typeface="Courier"/>
+            </a:endParaRPr>
+          </a:p>
+        </p:txBody>
+      </p:sp>
+    </p:spTree>
+    <p:extLst>
+      <p:ext uri="{BB962C8B-B14F-4D97-AF65-F5344CB8AC3E}">
+        <p14:creationId xmlns:p14="http://schemas.microsoft.com/office/powerpoint/2010/main" val="426924391"/>
+      </p:ext>
+    </p:extLst>
+  </p:cSld>
+  <p:clrMapOvr>
+    <a:masterClrMapping/>
+  </p:clrMapOvr>
+</p:sld>
+</file>
+
 <file path=ppt/slides/slide21.xml><?xml version="1.0" encoding="utf-8"?>
 <p:sld xmlns:a="http://schemas.openxmlformats.org/drawingml/2006/main" xmlns:r="http://schemas.openxmlformats.org/officeDocument/2006/relationships" xmlns:p="http://schemas.openxmlformats.org/presentationml/2006/main">
   <p:cSld>
@@ -8461,7 +8450,7 @@
           <a:p>
             <a:r>
               <a:rPr lang="en-US" dirty="0"/>
-              <a:t>Function application</a:t>
+              <a:t>Anonymous function expression</a:t>
             </a:r>
           </a:p>
         </p:txBody>
@@ -8499,7 +8488,47 @@
             <a:pPr marL="0" indent="0">
               <a:buNone/>
             </a:pPr>
-            <a:endParaRPr lang="en-US" b="1" dirty="0">
+            <a:endParaRPr lang="en-US" dirty="0">
+              <a:solidFill>
+                <a:schemeClr val="accent2"/>
+              </a:solidFill>
+              <a:cs typeface="Courier New" pitchFamily="49" charset="0"/>
+            </a:endParaRPr>
+          </a:p>
+          <a:p>
+            <a:pPr marL="0" indent="0">
+              <a:buNone/>
+            </a:pPr>
+            <a:r>
+              <a:rPr lang="en-US" dirty="0">
+                <a:solidFill>
+                  <a:schemeClr val="accent2"/>
+                </a:solidFill>
+                <a:cs typeface="Courier New" pitchFamily="49" charset="0"/>
+              </a:rPr>
+              <a:t>If			</a:t>
+            </a:r>
+            <a:r>
+              <a:rPr lang="en-US" b="1" dirty="0">
+                <a:solidFill>
+                  <a:schemeClr val="accent2"/>
+                </a:solidFill>
+                <a:latin typeface="Courier New" pitchFamily="49" charset="0"/>
+                <a:cs typeface="Courier New" pitchFamily="49" charset="0"/>
+              </a:rPr>
+              <a:t>x1:t1, ..., </a:t>
+            </a:r>
+            <a:r>
+              <a:rPr lang="en-US" b="1" dirty="0" err="1">
+                <a:solidFill>
+                  <a:schemeClr val="accent2"/>
+                </a:solidFill>
+                <a:latin typeface="Courier New" pitchFamily="49" charset="0"/>
+                <a:cs typeface="Courier New" pitchFamily="49" charset="0"/>
+              </a:rPr>
+              <a:t>xn:tn</a:t>
+            </a:r>
+            <a:endParaRPr lang="en-US" dirty="0">
               <a:solidFill>
                 <a:schemeClr val="accent2"/>
               </a:solidFill>
@@ -8510,197 +8539,136 @@
               <a:buNone/>
             </a:pPr>
             <a:r>
-              <a:rPr lang="en-US" sz="3100" dirty="0">
+              <a:rPr lang="en-US" dirty="0">
                 <a:solidFill>
                   <a:schemeClr val="accent2"/>
                 </a:solidFill>
-              </a:rPr>
-              <a:t>      If 		</a:t>
-            </a:r>
-            <a:r>
-              <a:rPr lang="en-US" sz="3100" b="1" dirty="0">
+                <a:cs typeface="Courier New" pitchFamily="49" charset="0"/>
+              </a:rPr>
+              <a:t>And		</a:t>
+            </a:r>
+            <a:r>
+              <a:rPr lang="en-US" b="1" dirty="0" err="1">
                 <a:solidFill>
                   <a:schemeClr val="accent2"/>
                 </a:solidFill>
-                <a:latin typeface="Courier"/>
-              </a:rPr>
-              <a:t>e0</a:t>
-            </a:r>
-            <a:r>
-              <a:rPr lang="en-US" sz="3100" b="1" dirty="0">
+                <a:latin typeface="Courier New" pitchFamily="49" charset="0"/>
+                <a:cs typeface="Courier New" pitchFamily="49" charset="0"/>
+              </a:rPr>
+              <a:t>e:u</a:t>
+            </a:r>
+            <a:r>
+              <a:rPr lang="en-US" dirty="0">
                 <a:solidFill>
                   <a:schemeClr val="accent2"/>
                 </a:solidFill>
-                <a:latin typeface="Courier"/>
-                <a:cs typeface="Courier"/>
-              </a:rPr>
-              <a:t> : t1 -&gt; ... -&gt; </a:t>
-            </a:r>
-            <a:r>
-              <a:rPr lang="en-US" sz="3100" b="1" dirty="0" err="1">
+              </a:rPr>
+              <a:t> </a:t>
+            </a:r>
+          </a:p>
+          <a:p>
+            <a:pPr marL="0" indent="0">
+              <a:buNone/>
+            </a:pPr>
+            <a:r>
+              <a:rPr lang="en-US" dirty="0">
                 <a:solidFill>
                   <a:schemeClr val="accent2"/>
                 </a:solidFill>
-                <a:latin typeface="Courier"/>
-                <a:cs typeface="Courier"/>
+              </a:rPr>
+              <a:t>Then 		</a:t>
+            </a:r>
+            <a:r>
+              <a:rPr lang="en-US" b="1" dirty="0">
+                <a:solidFill>
+                  <a:schemeClr val="accent2"/>
+                </a:solidFill>
+                <a:latin typeface="Courier New" pitchFamily="49" charset="0"/>
+                <a:cs typeface="Courier New" pitchFamily="49" charset="0"/>
+              </a:rPr>
+              <a:t>(fun x1 ... </a:t>
+            </a:r>
+            <a:r>
+              <a:rPr lang="en-US" b="1" dirty="0" err="1">
+                <a:solidFill>
+                  <a:schemeClr val="accent2"/>
+                </a:solidFill>
+                <a:latin typeface="Courier New" pitchFamily="49" charset="0"/>
+                <a:cs typeface="Courier New" pitchFamily="49" charset="0"/>
+              </a:rPr>
+              <a:t>xn</a:t>
+            </a:r>
+            <a:r>
+              <a:rPr lang="en-US" b="1" dirty="0">
+                <a:solidFill>
+                  <a:schemeClr val="accent2"/>
+                </a:solidFill>
+                <a:latin typeface="Courier New" pitchFamily="49" charset="0"/>
+                <a:cs typeface="Courier New" pitchFamily="49" charset="0"/>
+              </a:rPr>
+              <a:t> -&gt; e) : </a:t>
+            </a:r>
+            <a:r>
+              <a:rPr lang="en-US" dirty="0">
+                <a:solidFill>
+                  <a:schemeClr val="accent2"/>
+                </a:solidFill>
+              </a:rPr>
+              <a:t> </a:t>
+            </a:r>
+          </a:p>
+          <a:p>
+            <a:pPr marL="0" indent="0">
+              <a:buNone/>
+            </a:pPr>
+            <a:r>
+              <a:rPr lang="en-US" b="1" dirty="0">
+                <a:solidFill>
+                  <a:schemeClr val="accent2"/>
+                </a:solidFill>
+                <a:latin typeface="Courier New" pitchFamily="49" charset="0"/>
+                <a:cs typeface="Courier New" pitchFamily="49" charset="0"/>
+              </a:rPr>
+              <a:t>				t1 -&gt; ... -&gt; </a:t>
+            </a:r>
+            <a:r>
+              <a:rPr lang="en-US" b="1" dirty="0" err="1">
+                <a:solidFill>
+                  <a:schemeClr val="accent2"/>
+                </a:solidFill>
+                <a:latin typeface="Courier New" pitchFamily="49" charset="0"/>
+                <a:cs typeface="Courier New" pitchFamily="49" charset="0"/>
               </a:rPr>
               <a:t>tn</a:t>
             </a:r>
             <a:r>
-              <a:rPr lang="en-US" sz="3100" b="1" dirty="0">
+              <a:rPr lang="en-US" b="1" dirty="0">
                 <a:solidFill>
                   <a:schemeClr val="accent2"/>
                 </a:solidFill>
-                <a:latin typeface="Courier"/>
-                <a:cs typeface="Courier"/>
+                <a:latin typeface="Courier New" pitchFamily="49" charset="0"/>
+                <a:cs typeface="Courier New" pitchFamily="49" charset="0"/>
               </a:rPr>
               <a:t> -&gt; u</a:t>
             </a:r>
-          </a:p>
-          <a:p>
-            <a:pPr marL="509412" lvl="1" indent="0">
+            <a:r>
+              <a:rPr lang="en-US" dirty="0">
+                <a:solidFill>
+                  <a:schemeClr val="accent2"/>
+                </a:solidFill>
+                <a:cs typeface="Courier New" pitchFamily="49" charset="0"/>
+              </a:rPr>
+              <a:t> </a:t>
+            </a:r>
+          </a:p>
+          <a:p>
+            <a:pPr marL="0" indent="0">
               <a:buNone/>
             </a:pPr>
-            <a:r>
-              <a:rPr lang="en-US" dirty="0">
-                <a:solidFill>
-                  <a:schemeClr val="accent2"/>
-                </a:solidFill>
-              </a:rPr>
-              <a:t>And 	</a:t>
-            </a:r>
-            <a:r>
-              <a:rPr lang="en-US" b="1" dirty="0">
-                <a:solidFill>
-                  <a:schemeClr val="accent2"/>
-                </a:solidFill>
-                <a:latin typeface="Courier"/>
-                <a:cs typeface="Courier"/>
-              </a:rPr>
-              <a:t>e1 : t1,</a:t>
-            </a:r>
-          </a:p>
-          <a:p>
-            <a:pPr marL="509412" lvl="1" indent="0">
-              <a:buNone/>
-            </a:pPr>
-            <a:r>
-              <a:rPr lang="en-US" b="1" dirty="0">
-                <a:solidFill>
-                  <a:schemeClr val="accent2"/>
-                </a:solidFill>
-                <a:latin typeface="Courier"/>
-                <a:cs typeface="Courier"/>
-              </a:rPr>
-              <a:t>		...,</a:t>
-            </a:r>
-          </a:p>
-          <a:p>
-            <a:pPr marL="509412" lvl="1" indent="0">
-              <a:buNone/>
-            </a:pPr>
-            <a:r>
-              <a:rPr lang="en-US" b="1" dirty="0">
-                <a:solidFill>
-                  <a:schemeClr val="accent2"/>
-                </a:solidFill>
-                <a:latin typeface="Courier"/>
-                <a:cs typeface="Courier"/>
-              </a:rPr>
-              <a:t>		</a:t>
-            </a:r>
-            <a:r>
-              <a:rPr lang="en-US" b="1" dirty="0" err="1">
-                <a:solidFill>
-                  <a:schemeClr val="accent2"/>
-                </a:solidFill>
-                <a:latin typeface="Courier"/>
-                <a:cs typeface="Courier"/>
-              </a:rPr>
-              <a:t>en</a:t>
-            </a:r>
-            <a:r>
-              <a:rPr lang="en-US" b="1" dirty="0">
-                <a:solidFill>
-                  <a:schemeClr val="accent2"/>
-                </a:solidFill>
-                <a:latin typeface="Courier"/>
-                <a:cs typeface="Courier"/>
-              </a:rPr>
-              <a:t> : </a:t>
-            </a:r>
-            <a:r>
-              <a:rPr lang="en-US" b="1" dirty="0" err="1">
-                <a:solidFill>
-                  <a:schemeClr val="accent2"/>
-                </a:solidFill>
-                <a:latin typeface="Courier"/>
-                <a:cs typeface="Courier"/>
-              </a:rPr>
-              <a:t>tn</a:t>
-            </a:r>
-            <a:endParaRPr lang="en-US" b="1" dirty="0">
+            <a:endParaRPr lang="en-US" dirty="0">
               <a:solidFill>
                 <a:schemeClr val="accent2"/>
               </a:solidFill>
-              <a:latin typeface="Courier"/>
-              <a:cs typeface="Courier"/>
-            </a:endParaRPr>
-          </a:p>
-          <a:p>
-            <a:pPr marL="509412" lvl="1" indent="0">
-              <a:buNone/>
-            </a:pPr>
-            <a:endParaRPr lang="en-US" b="1" dirty="0">
-              <a:solidFill>
-                <a:schemeClr val="accent2"/>
-              </a:solidFill>
-              <a:latin typeface="Courier"/>
-              <a:cs typeface="Courier"/>
-            </a:endParaRPr>
-          </a:p>
-          <a:p>
-            <a:pPr marL="509412" lvl="1" indent="0">
-              <a:buNone/>
-            </a:pPr>
-            <a:r>
-              <a:rPr lang="en-US" dirty="0">
-                <a:solidFill>
-                  <a:schemeClr val="accent2"/>
-                </a:solidFill>
-              </a:rPr>
-              <a:t>Then	</a:t>
-            </a:r>
-            <a:r>
-              <a:rPr lang="en-US" b="1" dirty="0">
-                <a:solidFill>
-                  <a:schemeClr val="accent2"/>
-                </a:solidFill>
-                <a:latin typeface="Courier"/>
-              </a:rPr>
-              <a:t>e0</a:t>
-            </a:r>
-            <a:r>
-              <a:rPr lang="en-US" b="1" dirty="0">
-                <a:solidFill>
-                  <a:schemeClr val="accent2"/>
-                </a:solidFill>
-                <a:latin typeface="Courier"/>
-                <a:cs typeface="Courier"/>
-              </a:rPr>
-              <a:t> e1 ... en : u</a:t>
-            </a:r>
-          </a:p>
-          <a:p>
-            <a:pPr marL="63677" indent="0">
-              <a:buNone/>
-            </a:pPr>
-            <a:endParaRPr lang="en-US" b="1" dirty="0">
-              <a:solidFill>
-                <a:schemeClr val="accent2"/>
-              </a:solidFill>
-              <a:latin typeface="Courier"/>
-              <a:cs typeface="Courier"/>
             </a:endParaRPr>
           </a:p>
         </p:txBody>
@@ -8708,7 +8676,7 @@
     </p:spTree>
     <p:extLst>
       <p:ext uri="{BB962C8B-B14F-4D97-AF65-F5344CB8AC3E}">
-        <p14:creationId xmlns:p14="http://schemas.microsoft.com/office/powerpoint/2010/main" val="426924391"/>
+        <p14:creationId xmlns:p14="http://schemas.microsoft.com/office/powerpoint/2010/main" val="1084656692"/>
       </p:ext>
     </p:extLst>
   </p:cSld>
@@ -8737,7 +8705,13 @@
       </p:grpSpPr>
       <p:sp>
         <p:nvSpPr>
-          <p:cNvPr id="2" name="Title 1"/>
+          <p:cNvPr id="4" name="Title 3">
+            <a:extLst>
+              <a:ext uri="{FF2B5EF4-FFF2-40B4-BE49-F238E27FC236}">
+                <a16:creationId xmlns:a16="http://schemas.microsoft.com/office/drawing/2014/main" id="{B4545345-981F-914D-B3AC-9F1B005AA6BF}"/>
+              </a:ext>
+            </a:extLst>
+          </p:cNvPr>
           <p:cNvSpPr>
             <a:spLocks noGrp="1"/>
           </p:cNvSpPr>
@@ -8752,233 +8726,82 @@
           <a:p>
             <a:r>
               <a:rPr lang="en-US" dirty="0"/>
-              <a:t>Anonymous function expression</a:t>
-            </a:r>
-          </a:p>
-        </p:txBody>
-      </p:sp>
-      <p:sp>
-        <p:nvSpPr>
-          <p:cNvPr id="3" name="Content Placeholder 2"/>
-          <p:cNvSpPr>
-            <a:spLocks noGrp="1"/>
-          </p:cNvSpPr>
-          <p:nvPr>
-            <p:ph idx="1"/>
-          </p:nvPr>
-        </p:nvSpPr>
-        <p:spPr/>
-        <p:txBody>
-          <a:bodyPr>
-            <a:normAutofit/>
+              <a:t>Partial Application</a:t>
+            </a:r>
+          </a:p>
+        </p:txBody>
+      </p:sp>
+      <p:sp>
+        <p:nvSpPr>
+          <p:cNvPr id="5" name="Text Placeholder 4">
+            <a:extLst>
+              <a:ext uri="{FF2B5EF4-FFF2-40B4-BE49-F238E27FC236}">
+                <a16:creationId xmlns:a16="http://schemas.microsoft.com/office/drawing/2014/main" id="{4EAB98C7-2312-5843-9578-24BA71A7AEEF}"/>
+              </a:ext>
+            </a:extLst>
+          </p:cNvPr>
+          <p:cNvSpPr>
+            <a:spLocks noGrp="1"/>
+          </p:cNvSpPr>
+          <p:nvPr>
+            <p:ph type="body" idx="1"/>
+          </p:nvPr>
+        </p:nvSpPr>
+        <p:spPr/>
+        <p:txBody>
+          <a:bodyPr/>
+          <a:lstStyle/>
+          <a:p>
+            <a:endParaRPr lang="en-US"/>
+          </a:p>
+        </p:txBody>
+      </p:sp>
+      <p:sp>
+        <p:nvSpPr>
+          <p:cNvPr id="6" name="TextBox 5">
+            <a:extLst>
+              <a:ext uri="{FF2B5EF4-FFF2-40B4-BE49-F238E27FC236}">
+                <a16:creationId xmlns:a16="http://schemas.microsoft.com/office/drawing/2014/main" id="{4844F7EB-9F07-114B-BB68-FF549C93DAC1}"/>
+              </a:ext>
+            </a:extLst>
+          </p:cNvPr>
+          <p:cNvSpPr txBox="1"/>
+          <p:nvPr/>
+        </p:nvSpPr>
+        <p:spPr>
+          <a:xfrm>
+            <a:off x="8641447" y="7149889"/>
+            <a:ext cx="914033" cy="461665"/>
+          </a:xfrm>
+          <a:prstGeom prst="rect">
+            <a:avLst/>
+          </a:prstGeom>
+          <a:noFill/>
+        </p:spPr>
+        <p:txBody>
+          <a:bodyPr wrap="square" rtlCol="0">
+            <a:spAutoFit/>
           </a:bodyPr>
           <a:lstStyle/>
           <a:p>
-            <a:pPr marL="0" indent="0">
-              <a:buNone/>
-            </a:pPr>
-            <a:r>
-              <a:rPr lang="en-US" b="1" dirty="0">
-                <a:solidFill>
-                  <a:schemeClr val="accent2"/>
-                </a:solidFill>
-              </a:rPr>
-              <a:t>Type checking:</a:t>
-            </a:r>
-          </a:p>
-          <a:p>
-            <a:pPr marL="0" indent="0">
-              <a:buNone/>
-            </a:pPr>
-            <a:endParaRPr lang="en-US" dirty="0">
-              <a:solidFill>
-                <a:schemeClr val="accent2"/>
-              </a:solidFill>
-              <a:cs typeface="Courier New" pitchFamily="49" charset="0"/>
-            </a:endParaRPr>
-          </a:p>
-          <a:p>
-            <a:pPr marL="0" indent="0">
-              <a:buNone/>
-            </a:pPr>
-            <a:r>
-              <a:rPr lang="en-US" dirty="0">
-                <a:solidFill>
-                  <a:schemeClr val="accent2"/>
-                </a:solidFill>
-                <a:cs typeface="Courier New" pitchFamily="49" charset="0"/>
-              </a:rPr>
-              <a:t>If			</a:t>
-            </a:r>
-            <a:r>
-              <a:rPr lang="en-US" b="1" dirty="0">
-                <a:solidFill>
-                  <a:schemeClr val="accent2"/>
-                </a:solidFill>
-                <a:latin typeface="Courier New" pitchFamily="49" charset="0"/>
-                <a:cs typeface="Courier New" pitchFamily="49" charset="0"/>
-              </a:rPr>
-              <a:t>x1:t1, ..., </a:t>
-            </a:r>
-            <a:r>
-              <a:rPr lang="en-US" b="1" dirty="0" err="1">
-                <a:solidFill>
-                  <a:schemeClr val="accent2"/>
-                </a:solidFill>
-                <a:latin typeface="Courier New" pitchFamily="49" charset="0"/>
-                <a:cs typeface="Courier New" pitchFamily="49" charset="0"/>
-              </a:rPr>
-              <a:t>xn:tn</a:t>
-            </a:r>
-            <a:endParaRPr lang="en-US" dirty="0">
-              <a:solidFill>
-                <a:schemeClr val="accent2"/>
-              </a:solidFill>
-            </a:endParaRPr>
-          </a:p>
-          <a:p>
-            <a:pPr marL="0" indent="0">
-              <a:buNone/>
-            </a:pPr>
-            <a:r>
-              <a:rPr lang="en-US" dirty="0">
-                <a:solidFill>
-                  <a:schemeClr val="accent2"/>
-                </a:solidFill>
-                <a:cs typeface="Courier New" pitchFamily="49" charset="0"/>
-              </a:rPr>
-              <a:t>And		</a:t>
-            </a:r>
-            <a:r>
-              <a:rPr lang="en-US" b="1" dirty="0" err="1">
-                <a:solidFill>
-                  <a:schemeClr val="accent2"/>
-                </a:solidFill>
-                <a:latin typeface="Courier New" pitchFamily="49" charset="0"/>
-                <a:cs typeface="Courier New" pitchFamily="49" charset="0"/>
-              </a:rPr>
-              <a:t>e:u</a:t>
-            </a:r>
-            <a:r>
-              <a:rPr lang="en-US" dirty="0">
-                <a:solidFill>
-                  <a:schemeClr val="accent2"/>
-                </a:solidFill>
-              </a:rPr>
-              <a:t> </a:t>
-            </a:r>
-          </a:p>
-          <a:p>
-            <a:pPr marL="0" indent="0">
-              <a:buNone/>
-            </a:pPr>
-            <a:r>
-              <a:rPr lang="en-US" dirty="0">
-                <a:solidFill>
-                  <a:schemeClr val="accent2"/>
-                </a:solidFill>
-              </a:rPr>
-              <a:t>Then 		</a:t>
-            </a:r>
-            <a:r>
-              <a:rPr lang="en-US" b="1" dirty="0">
-                <a:solidFill>
-                  <a:schemeClr val="accent2"/>
-                </a:solidFill>
-                <a:latin typeface="Courier New" pitchFamily="49" charset="0"/>
-                <a:cs typeface="Courier New" pitchFamily="49" charset="0"/>
-              </a:rPr>
-              <a:t>(fun x1 ... </a:t>
-            </a:r>
-            <a:r>
-              <a:rPr lang="en-US" b="1" dirty="0" err="1">
-                <a:solidFill>
-                  <a:schemeClr val="accent2"/>
-                </a:solidFill>
-                <a:latin typeface="Courier New" pitchFamily="49" charset="0"/>
-                <a:cs typeface="Courier New" pitchFamily="49" charset="0"/>
-              </a:rPr>
-              <a:t>xn</a:t>
-            </a:r>
-            <a:r>
-              <a:rPr lang="en-US" b="1" dirty="0">
-                <a:solidFill>
-                  <a:schemeClr val="accent2"/>
-                </a:solidFill>
-                <a:latin typeface="Courier New" pitchFamily="49" charset="0"/>
-                <a:cs typeface="Courier New" pitchFamily="49" charset="0"/>
-              </a:rPr>
-              <a:t> -&gt; e) : </a:t>
-            </a:r>
-            <a:r>
-              <a:rPr lang="en-US" dirty="0">
-                <a:solidFill>
-                  <a:schemeClr val="accent2"/>
-                </a:solidFill>
-              </a:rPr>
-              <a:t> </a:t>
-            </a:r>
-          </a:p>
-          <a:p>
-            <a:pPr marL="0" indent="0">
-              <a:buNone/>
-            </a:pPr>
-            <a:r>
-              <a:rPr lang="en-US" b="1" dirty="0">
-                <a:solidFill>
-                  <a:schemeClr val="accent2"/>
-                </a:solidFill>
-                <a:latin typeface="Courier New" pitchFamily="49" charset="0"/>
-                <a:cs typeface="Courier New" pitchFamily="49" charset="0"/>
-              </a:rPr>
-              <a:t>				t1 -&gt; ... -&gt; </a:t>
-            </a:r>
-            <a:r>
-              <a:rPr lang="en-US" b="1" dirty="0" err="1">
-                <a:solidFill>
-                  <a:schemeClr val="accent2"/>
-                </a:solidFill>
-                <a:latin typeface="Courier New" pitchFamily="49" charset="0"/>
-                <a:cs typeface="Courier New" pitchFamily="49" charset="0"/>
-              </a:rPr>
-              <a:t>tn</a:t>
-            </a:r>
-            <a:r>
-              <a:rPr lang="en-US" b="1" dirty="0">
-                <a:solidFill>
-                  <a:schemeClr val="accent2"/>
-                </a:solidFill>
-                <a:latin typeface="Courier New" pitchFamily="49" charset="0"/>
-                <a:cs typeface="Courier New" pitchFamily="49" charset="0"/>
-              </a:rPr>
-              <a:t> -&gt; u</a:t>
-            </a:r>
-            <a:r>
-              <a:rPr lang="en-US" dirty="0">
-                <a:solidFill>
-                  <a:schemeClr val="accent2"/>
-                </a:solidFill>
-                <a:cs typeface="Courier New" pitchFamily="49" charset="0"/>
-              </a:rPr>
-              <a:t> </a:t>
-            </a:r>
-          </a:p>
-          <a:p>
-            <a:pPr marL="0" indent="0">
-              <a:buNone/>
-            </a:pPr>
-            <a:endParaRPr lang="en-US" dirty="0">
-              <a:solidFill>
-                <a:schemeClr val="accent2"/>
-              </a:solidFill>
-            </a:endParaRPr>
+            <a:r>
+              <a:rPr lang="en-US" sz="2400" dirty="0">
+                <a:solidFill>
+                  <a:schemeClr val="bg2">
+                    <a:lumMod val="50000"/>
+                  </a:schemeClr>
+                </a:solidFill>
+                <a:latin typeface="Cronos Pro" panose="020C0502030403020304" pitchFamily="34" charset="77"/>
+              </a:rPr>
+              <a:t>Demo</a:t>
+            </a:r>
           </a:p>
         </p:txBody>
       </p:sp>
     </p:spTree>
     <p:extLst>
       <p:ext uri="{BB962C8B-B14F-4D97-AF65-F5344CB8AC3E}">
-        <p14:creationId xmlns:p14="http://schemas.microsoft.com/office/powerpoint/2010/main" val="1084656692"/>
+        <p14:creationId xmlns:p14="http://schemas.microsoft.com/office/powerpoint/2010/main" val="4248559706"/>
       </p:ext>
     </p:extLst>
   </p:cSld>
@@ -9010,7 +8833,7 @@
           <p:cNvPr id="4" name="Title 3">
             <a:extLst>
               <a:ext uri="{FF2B5EF4-FFF2-40B4-BE49-F238E27FC236}">
-                <a16:creationId xmlns:a16="http://schemas.microsoft.com/office/drawing/2014/main" id="{B4545345-981F-914D-B3AC-9F1B005AA6BF}"/>
+                <a16:creationId xmlns:a16="http://schemas.microsoft.com/office/drawing/2014/main" id="{51965059-46EB-E741-AC57-46822C9BF708}"/>
               </a:ext>
             </a:extLst>
           </p:cNvPr>
@@ -9028,17 +8851,17 @@
           <a:p>
             <a:r>
               <a:rPr lang="en-US" dirty="0"/>
-              <a:t>Partial Application</a:t>
-            </a:r>
-          </a:p>
-        </p:txBody>
-      </p:sp>
-      <p:sp>
-        <p:nvSpPr>
-          <p:cNvPr id="5" name="Text Placeholder 4">
+              <a:t>More syntactic sugar</a:t>
+            </a:r>
+          </a:p>
+        </p:txBody>
+      </p:sp>
+      <p:sp>
+        <p:nvSpPr>
+          <p:cNvPr id="5" name="Content Placeholder 4">
             <a:extLst>
               <a:ext uri="{FF2B5EF4-FFF2-40B4-BE49-F238E27FC236}">
-                <a16:creationId xmlns:a16="http://schemas.microsoft.com/office/drawing/2014/main" id="{4EAB98C7-2312-5843-9578-24BA71A7AEEF}"/>
+                <a16:creationId xmlns:a16="http://schemas.microsoft.com/office/drawing/2014/main" id="{C6BF0FE8-16EB-734F-A80C-6E7387D8EDA9}"/>
               </a:ext>
             </a:extLst>
           </p:cNvPr>
@@ -9046,7 +8869,7 @@
             <a:spLocks noGrp="1"/>
           </p:cNvSpPr>
           <p:nvPr>
-            <p:ph type="body" idx="1"/>
+            <p:ph idx="1"/>
           </p:nvPr>
         </p:nvSpPr>
         <p:spPr/>
@@ -9054,48 +8877,67 @@
           <a:bodyPr/>
           <a:lstStyle/>
           <a:p>
-            <a:endParaRPr lang="en-US"/>
-          </a:p>
-        </p:txBody>
-      </p:sp>
-      <p:sp>
-        <p:nvSpPr>
-          <p:cNvPr id="6" name="TextBox 5">
-            <a:extLst>
-              <a:ext uri="{FF2B5EF4-FFF2-40B4-BE49-F238E27FC236}">
-                <a16:creationId xmlns:a16="http://schemas.microsoft.com/office/drawing/2014/main" id="{4844F7EB-9F07-114B-BB68-FF549C93DAC1}"/>
-              </a:ext>
-            </a:extLst>
-          </p:cNvPr>
-          <p:cNvSpPr txBox="1"/>
-          <p:nvPr/>
-        </p:nvSpPr>
-        <p:spPr>
-          <a:xfrm>
-            <a:off x="8641447" y="7149889"/>
-            <a:ext cx="914033" cy="461665"/>
-          </a:xfrm>
-          <a:prstGeom prst="rect">
-            <a:avLst/>
-          </a:prstGeom>
-          <a:noFill/>
-        </p:spPr>
-        <p:txBody>
-          <a:bodyPr wrap="square" rtlCol="0">
-            <a:spAutoFit/>
-          </a:bodyPr>
-          <a:lstStyle/>
-          <a:p>
-            <a:r>
-              <a:rPr lang="en-US" sz="2400" dirty="0">
-                <a:solidFill>
-                  <a:schemeClr val="bg2">
-                    <a:lumMod val="50000"/>
-                  </a:schemeClr>
-                </a:solidFill>
-                <a:latin typeface="Cronos Pro" panose="020C0502030403020304" pitchFamily="34" charset="77"/>
-              </a:rPr>
-              <a:t>Demo</a:t>
+            <a:pPr marL="0" indent="0">
+              <a:buNone/>
+            </a:pPr>
+            <a:r>
+              <a:rPr lang="en-US" dirty="0">
+                <a:solidFill>
+                  <a:schemeClr val="accent6"/>
+                </a:solidFill>
+              </a:rPr>
+              <a:t>Multi-argument functions do not exist</a:t>
+            </a:r>
+          </a:p>
+          <a:p>
+            <a:pPr marL="0" indent="0">
+              <a:buNone/>
+            </a:pPr>
+            <a:endParaRPr lang="en-US" dirty="0"/>
+          </a:p>
+          <a:p>
+            <a:pPr marL="0" indent="0" algn="ctr">
+              <a:buNone/>
+            </a:pPr>
+            <a:r>
+              <a:rPr lang="en-US" b="1" dirty="0">
+                <a:latin typeface="Courier" pitchFamily="2" charset="0"/>
+              </a:rPr>
+              <a:t>fun x y -&gt; e</a:t>
+            </a:r>
+          </a:p>
+          <a:p>
+            <a:pPr marL="0" indent="0" algn="ctr">
+              <a:buNone/>
+            </a:pPr>
+            <a:endParaRPr lang="en-US" b="1" dirty="0">
+              <a:latin typeface="Courier" pitchFamily="2" charset="0"/>
+            </a:endParaRPr>
+          </a:p>
+          <a:p>
+            <a:pPr marL="0" indent="0" algn="ctr">
+              <a:buNone/>
+            </a:pPr>
+            <a:r>
+              <a:rPr lang="en-US" dirty="0"/>
+              <a:t>is syntactic sugar for</a:t>
+            </a:r>
+          </a:p>
+          <a:p>
+            <a:pPr marL="0" indent="0" algn="ctr">
+              <a:buNone/>
+            </a:pPr>
+            <a:endParaRPr lang="en-US" dirty="0"/>
+          </a:p>
+          <a:p>
+            <a:pPr marL="0" indent="0" algn="ctr">
+              <a:buNone/>
+            </a:pPr>
+            <a:r>
+              <a:rPr lang="en-US" b="1" dirty="0">
+                <a:latin typeface="Courier" pitchFamily="2" charset="0"/>
+              </a:rPr>
+              <a:t>fun x -&gt; (fun y -&gt; e)</a:t>
             </a:r>
           </a:p>
         </p:txBody>
@@ -9103,7 +8945,7 @@
     </p:spTree>
     <p:extLst>
       <p:ext uri="{BB962C8B-B14F-4D97-AF65-F5344CB8AC3E}">
-        <p14:creationId xmlns:p14="http://schemas.microsoft.com/office/powerpoint/2010/main" val="4248559706"/>
+        <p14:creationId xmlns:p14="http://schemas.microsoft.com/office/powerpoint/2010/main" val="1814829735"/>
       </p:ext>
     </p:extLst>
   </p:cSld>
@@ -9176,7 +9018,9 @@
         </p:nvSpPr>
         <p:spPr/>
         <p:txBody>
-          <a:bodyPr/>
+          <a:bodyPr>
+            <a:normAutofit fontScale="92500" lnSpcReduction="10000"/>
+          </a:bodyPr>
           <a:lstStyle/>
           <a:p>
             <a:pPr marL="0" indent="0">
@@ -9205,7 +9049,7 @@
               <a:rPr lang="en-US" b="1" dirty="0">
                 <a:latin typeface="Courier" pitchFamily="2" charset="0"/>
               </a:rPr>
-              <a:t>fun x y -&gt; e</a:t>
+              <a:t>let add x y = x + y</a:t>
             </a:r>
           </a:p>
           <a:p>
@@ -9232,14 +9076,36 @@
             <a:endParaRPr lang="en-US" dirty="0"/>
           </a:p>
           <a:p>
-            <a:pPr marL="0" indent="0" algn="ctr">
+            <a:pPr marL="0" indent="0">
               <a:buNone/>
             </a:pPr>
             <a:r>
               <a:rPr lang="en-US" b="1" dirty="0">
                 <a:latin typeface="Courier" pitchFamily="2" charset="0"/>
               </a:rPr>
-              <a:t>fun x -&gt; (fun y -&gt; e)</a:t>
+              <a:t>				let add = fun x -&gt; </a:t>
+            </a:r>
+          </a:p>
+          <a:p>
+            <a:pPr marL="0" indent="0">
+              <a:buNone/>
+            </a:pPr>
+            <a:r>
+              <a:rPr lang="en-US" b="1" dirty="0">
+                <a:latin typeface="Courier" pitchFamily="2" charset="0"/>
+              </a:rPr>
+              <a:t>									  fun y -&gt; </a:t>
+            </a:r>
+          </a:p>
+          <a:p>
+            <a:pPr marL="0" indent="0">
+              <a:buNone/>
+            </a:pPr>
+            <a:r>
+              <a:rPr lang="en-US" b="1" dirty="0">
+                <a:latin typeface="Courier" pitchFamily="2" charset="0"/>
+              </a:rPr>
+              <a:t>										  x + y</a:t>
             </a:r>
           </a:p>
         </p:txBody>
@@ -9247,7 +9113,7 @@
     </p:spTree>
     <p:extLst>
       <p:ext uri="{BB962C8B-B14F-4D97-AF65-F5344CB8AC3E}">
-        <p14:creationId xmlns:p14="http://schemas.microsoft.com/office/powerpoint/2010/main" val="1814829735"/>
+        <p14:creationId xmlns:p14="http://schemas.microsoft.com/office/powerpoint/2010/main" val="2395767036"/>
       </p:ext>
     </p:extLst>
   </p:cSld>
@@ -9279,7 +9145,7 @@
           <p:cNvPr id="4" name="Title 3">
             <a:extLst>
               <a:ext uri="{FF2B5EF4-FFF2-40B4-BE49-F238E27FC236}">
-                <a16:creationId xmlns:a16="http://schemas.microsoft.com/office/drawing/2014/main" id="{51965059-46EB-E741-AC57-46822C9BF708}"/>
+                <a16:creationId xmlns:a16="http://schemas.microsoft.com/office/drawing/2014/main" id="{DCE96A37-B05B-5F4A-A39B-5E58B4C3BE97}"/>
               </a:ext>
             </a:extLst>
           </p:cNvPr>
@@ -9297,17 +9163,17 @@
           <a:p>
             <a:r>
               <a:rPr lang="en-US" dirty="0"/>
-              <a:t>More syntactic sugar</a:t>
-            </a:r>
-          </a:p>
-        </p:txBody>
-      </p:sp>
-      <p:sp>
-        <p:nvSpPr>
-          <p:cNvPr id="5" name="Content Placeholder 4">
+              <a:t>Clicker Question 2</a:t>
+            </a:r>
+          </a:p>
+        </p:txBody>
+      </p:sp>
+      <p:sp>
+        <p:nvSpPr>
+          <p:cNvPr id="3" name="Text Placeholder 2">
             <a:extLst>
               <a:ext uri="{FF2B5EF4-FFF2-40B4-BE49-F238E27FC236}">
-                <a16:creationId xmlns:a16="http://schemas.microsoft.com/office/drawing/2014/main" id="{C6BF0FE8-16EB-734F-A80C-6E7387D8EDA9}"/>
+                <a16:creationId xmlns:a16="http://schemas.microsoft.com/office/drawing/2014/main" id="{73A94DE7-74CB-094D-B0B6-4EF1FD077E5D}"/>
               </a:ext>
             </a:extLst>
           </p:cNvPr>
@@ -9315,107 +9181,22 @@
             <a:spLocks noGrp="1"/>
           </p:cNvSpPr>
           <p:nvPr>
-            <p:ph idx="1"/>
-          </p:nvPr>
-        </p:nvSpPr>
-        <p:spPr/>
-        <p:txBody>
-          <a:bodyPr>
-            <a:normAutofit fontScale="92500" lnSpcReduction="10000"/>
-          </a:bodyPr>
-          <a:lstStyle/>
-          <a:p>
-            <a:pPr marL="0" indent="0">
-              <a:buNone/>
-            </a:pPr>
-            <a:r>
-              <a:rPr lang="en-US" dirty="0">
-                <a:solidFill>
-                  <a:schemeClr val="accent6"/>
-                </a:solidFill>
-              </a:rPr>
-              <a:t>Multi-argument functions do not exist</a:t>
-            </a:r>
-          </a:p>
-          <a:p>
-            <a:pPr marL="0" indent="0">
-              <a:buNone/>
-            </a:pPr>
-            <a:endParaRPr lang="en-US" dirty="0"/>
-          </a:p>
-          <a:p>
-            <a:pPr marL="0" indent="0" algn="ctr">
-              <a:buNone/>
-            </a:pPr>
-            <a:r>
-              <a:rPr lang="en-US" b="1" dirty="0">
-                <a:latin typeface="Courier" pitchFamily="2" charset="0"/>
-              </a:rPr>
-              <a:t>let add x y = x + y</a:t>
-            </a:r>
-          </a:p>
-          <a:p>
-            <a:pPr marL="0" indent="0" algn="ctr">
-              <a:buNone/>
-            </a:pPr>
-            <a:endParaRPr lang="en-US" b="1" dirty="0">
-              <a:latin typeface="Courier" pitchFamily="2" charset="0"/>
-            </a:endParaRPr>
-          </a:p>
-          <a:p>
-            <a:pPr marL="0" indent="0" algn="ctr">
-              <a:buNone/>
-            </a:pPr>
-            <a:r>
-              <a:rPr lang="en-US" dirty="0"/>
-              <a:t>is syntactic sugar for</a:t>
-            </a:r>
-          </a:p>
-          <a:p>
-            <a:pPr marL="0" indent="0" algn="ctr">
-              <a:buNone/>
-            </a:pPr>
-            <a:endParaRPr lang="en-US" dirty="0"/>
-          </a:p>
-          <a:p>
-            <a:pPr marL="0" indent="0">
-              <a:buNone/>
-            </a:pPr>
-            <a:r>
-              <a:rPr lang="en-US" b="1" dirty="0">
-                <a:latin typeface="Courier" pitchFamily="2" charset="0"/>
-              </a:rPr>
-              <a:t>				let add = fun x -&gt; </a:t>
-            </a:r>
-          </a:p>
-          <a:p>
-            <a:pPr marL="0" indent="0">
-              <a:buNone/>
-            </a:pPr>
-            <a:r>
-              <a:rPr lang="en-US" b="1" dirty="0">
-                <a:latin typeface="Courier" pitchFamily="2" charset="0"/>
-              </a:rPr>
-              <a:t>									  fun y -&gt; </a:t>
-            </a:r>
-          </a:p>
-          <a:p>
-            <a:pPr marL="0" indent="0">
-              <a:buNone/>
-            </a:pPr>
-            <a:r>
-              <a:rPr lang="en-US" b="1" dirty="0">
-                <a:latin typeface="Courier" pitchFamily="2" charset="0"/>
-              </a:rPr>
-              <a:t>										  x + y</a:t>
-            </a:r>
+            <p:ph type="body" idx="1"/>
+          </p:nvPr>
+        </p:nvSpPr>
+        <p:spPr/>
+        <p:txBody>
+          <a:bodyPr/>
+          <a:lstStyle/>
+          <a:p>
+            <a:endParaRPr lang="en-US"/>
           </a:p>
         </p:txBody>
       </p:sp>
     </p:spTree>
     <p:extLst>
       <p:ext uri="{BB962C8B-B14F-4D97-AF65-F5344CB8AC3E}">
-        <p14:creationId xmlns:p14="http://schemas.microsoft.com/office/powerpoint/2010/main" val="2395767036"/>
+        <p14:creationId xmlns:p14="http://schemas.microsoft.com/office/powerpoint/2010/main" val="1360758193"/>
       </p:ext>
     </p:extLst>
   </p:cSld>
@@ -9447,7 +9228,7 @@
           <p:cNvPr id="4" name="Title 3">
             <a:extLst>
               <a:ext uri="{FF2B5EF4-FFF2-40B4-BE49-F238E27FC236}">
-                <a16:creationId xmlns:a16="http://schemas.microsoft.com/office/drawing/2014/main" id="{DCE96A37-B05B-5F4A-A39B-5E58B4C3BE97}"/>
+                <a16:creationId xmlns:a16="http://schemas.microsoft.com/office/drawing/2014/main" id="{51965059-46EB-E741-AC57-46822C9BF708}"/>
               </a:ext>
             </a:extLst>
           </p:cNvPr>
@@ -9465,17 +9246,17 @@
           <a:p>
             <a:r>
               <a:rPr lang="en-US" dirty="0"/>
-              <a:t>Clicker Question 2</a:t>
-            </a:r>
-          </a:p>
-        </p:txBody>
-      </p:sp>
-      <p:sp>
-        <p:nvSpPr>
-          <p:cNvPr id="3" name="Text Placeholder 2">
+              <a:t>More syntactic sugar</a:t>
+            </a:r>
+          </a:p>
+        </p:txBody>
+      </p:sp>
+      <p:sp>
+        <p:nvSpPr>
+          <p:cNvPr id="5" name="Content Placeholder 4">
             <a:extLst>
               <a:ext uri="{FF2B5EF4-FFF2-40B4-BE49-F238E27FC236}">
-                <a16:creationId xmlns:a16="http://schemas.microsoft.com/office/drawing/2014/main" id="{73A94DE7-74CB-094D-B0B6-4EF1FD077E5D}"/>
+                <a16:creationId xmlns:a16="http://schemas.microsoft.com/office/drawing/2014/main" id="{C6BF0FE8-16EB-734F-A80C-6E7387D8EDA9}"/>
               </a:ext>
             </a:extLst>
           </p:cNvPr>
@@ -9483,7 +9264,7 @@
             <a:spLocks noGrp="1"/>
           </p:cNvSpPr>
           <p:nvPr>
-            <p:ph type="body" idx="1"/>
+            <p:ph idx="1"/>
           </p:nvPr>
         </p:nvSpPr>
         <p:spPr/>
@@ -9491,14 +9272,75 @@
           <a:bodyPr/>
           <a:lstStyle/>
           <a:p>
-            <a:endParaRPr lang="en-US"/>
+            <a:pPr marL="0" indent="0">
+              <a:buNone/>
+            </a:pPr>
+            <a:r>
+              <a:rPr lang="en-US" dirty="0">
+                <a:solidFill>
+                  <a:schemeClr val="accent6"/>
+                </a:solidFill>
+              </a:rPr>
+              <a:t>Multi-argument functions do not exist</a:t>
+            </a:r>
+          </a:p>
+          <a:p>
+            <a:pPr marL="0" indent="0">
+              <a:buNone/>
+            </a:pPr>
+            <a:endParaRPr lang="en-US" dirty="0"/>
+          </a:p>
+          <a:p>
+            <a:pPr marL="0" indent="0" algn="ctr">
+              <a:buNone/>
+            </a:pPr>
+            <a:r>
+              <a:rPr lang="en-US" b="1" dirty="0">
+                <a:latin typeface="Courier" pitchFamily="2" charset="0"/>
+              </a:rPr>
+              <a:t>fun x y z -&gt; e</a:t>
+            </a:r>
+          </a:p>
+          <a:p>
+            <a:pPr marL="0" indent="0" algn="ctr">
+              <a:buNone/>
+            </a:pPr>
+            <a:endParaRPr lang="en-US" b="1" dirty="0">
+              <a:latin typeface="Courier" pitchFamily="2" charset="0"/>
+            </a:endParaRPr>
+          </a:p>
+          <a:p>
+            <a:pPr marL="0" indent="0" algn="ctr">
+              <a:buNone/>
+            </a:pPr>
+            <a:r>
+              <a:rPr lang="en-US" dirty="0"/>
+              <a:t>is syntactic sugar for</a:t>
+            </a:r>
+          </a:p>
+          <a:p>
+            <a:pPr marL="0" indent="0" algn="ctr">
+              <a:buNone/>
+            </a:pPr>
+            <a:endParaRPr lang="en-US" dirty="0"/>
+          </a:p>
+          <a:p>
+            <a:pPr marL="0" indent="0" algn="ctr">
+              <a:buNone/>
+            </a:pPr>
+            <a:r>
+              <a:rPr lang="en-US" b="1" dirty="0">
+                <a:latin typeface="Courier" pitchFamily="2" charset="0"/>
+              </a:rPr>
+              <a:t>fun x -&gt; (fun y -&gt; (fun z -&gt; e))</a:t>
+            </a:r>
           </a:p>
         </p:txBody>
       </p:sp>
     </p:spTree>
     <p:extLst>
       <p:ext uri="{BB962C8B-B14F-4D97-AF65-F5344CB8AC3E}">
-        <p14:creationId xmlns:p14="http://schemas.microsoft.com/office/powerpoint/2010/main" val="1360758193"/>
+        <p14:creationId xmlns:p14="http://schemas.microsoft.com/office/powerpoint/2010/main" val="3075208244"/>
       </p:ext>
     </p:extLst>
   </p:cSld>
@@ -9527,150 +9369,6 @@
       </p:grpSpPr>
       <p:sp>
         <p:nvSpPr>
-          <p:cNvPr id="4" name="Title 3">
-            <a:extLst>
-              <a:ext uri="{FF2B5EF4-FFF2-40B4-BE49-F238E27FC236}">
-                <a16:creationId xmlns:a16="http://schemas.microsoft.com/office/drawing/2014/main" id="{51965059-46EB-E741-AC57-46822C9BF708}"/>
-              </a:ext>
-            </a:extLst>
-          </p:cNvPr>
-          <p:cNvSpPr>
-            <a:spLocks noGrp="1"/>
-          </p:cNvSpPr>
-          <p:nvPr>
-            <p:ph type="title"/>
-          </p:nvPr>
-        </p:nvSpPr>
-        <p:spPr/>
-        <p:txBody>
-          <a:bodyPr/>
-          <a:lstStyle/>
-          <a:p>
-            <a:r>
-              <a:rPr lang="en-US" dirty="0"/>
-              <a:t>More syntactic sugar</a:t>
-            </a:r>
-          </a:p>
-        </p:txBody>
-      </p:sp>
-      <p:sp>
-        <p:nvSpPr>
-          <p:cNvPr id="5" name="Content Placeholder 4">
-            <a:extLst>
-              <a:ext uri="{FF2B5EF4-FFF2-40B4-BE49-F238E27FC236}">
-                <a16:creationId xmlns:a16="http://schemas.microsoft.com/office/drawing/2014/main" id="{C6BF0FE8-16EB-734F-A80C-6E7387D8EDA9}"/>
-              </a:ext>
-            </a:extLst>
-          </p:cNvPr>
-          <p:cNvSpPr>
-            <a:spLocks noGrp="1"/>
-          </p:cNvSpPr>
-          <p:nvPr>
-            <p:ph idx="1"/>
-          </p:nvPr>
-        </p:nvSpPr>
-        <p:spPr/>
-        <p:txBody>
-          <a:bodyPr/>
-          <a:lstStyle/>
-          <a:p>
-            <a:pPr marL="0" indent="0">
-              <a:buNone/>
-            </a:pPr>
-            <a:r>
-              <a:rPr lang="en-US" dirty="0">
-                <a:solidFill>
-                  <a:schemeClr val="accent6"/>
-                </a:solidFill>
-              </a:rPr>
-              <a:t>Multi-argument functions do not exist</a:t>
-            </a:r>
-          </a:p>
-          <a:p>
-            <a:pPr marL="0" indent="0">
-              <a:buNone/>
-            </a:pPr>
-            <a:endParaRPr lang="en-US" dirty="0"/>
-          </a:p>
-          <a:p>
-            <a:pPr marL="0" indent="0" algn="ctr">
-              <a:buNone/>
-            </a:pPr>
-            <a:r>
-              <a:rPr lang="en-US" b="1" dirty="0">
-                <a:latin typeface="Courier" pitchFamily="2" charset="0"/>
-              </a:rPr>
-              <a:t>fun x y z -&gt; e</a:t>
-            </a:r>
-          </a:p>
-          <a:p>
-            <a:pPr marL="0" indent="0" algn="ctr">
-              <a:buNone/>
-            </a:pPr>
-            <a:endParaRPr lang="en-US" b="1" dirty="0">
-              <a:latin typeface="Courier" pitchFamily="2" charset="0"/>
-            </a:endParaRPr>
-          </a:p>
-          <a:p>
-            <a:pPr marL="0" indent="0" algn="ctr">
-              <a:buNone/>
-            </a:pPr>
-            <a:r>
-              <a:rPr lang="en-US" dirty="0"/>
-              <a:t>is syntactic sugar for</a:t>
-            </a:r>
-          </a:p>
-          <a:p>
-            <a:pPr marL="0" indent="0" algn="ctr">
-              <a:buNone/>
-            </a:pPr>
-            <a:endParaRPr lang="en-US" dirty="0"/>
-          </a:p>
-          <a:p>
-            <a:pPr marL="0" indent="0" algn="ctr">
-              <a:buNone/>
-            </a:pPr>
-            <a:r>
-              <a:rPr lang="en-US" b="1" dirty="0">
-                <a:latin typeface="Courier" pitchFamily="2" charset="0"/>
-              </a:rPr>
-              <a:t>fun x -&gt; (fun y -&gt; (fun z -&gt; e))</a:t>
-            </a:r>
-          </a:p>
-        </p:txBody>
-      </p:sp>
-    </p:spTree>
-    <p:extLst>
-      <p:ext uri="{BB962C8B-B14F-4D97-AF65-F5344CB8AC3E}">
-        <p14:creationId xmlns:p14="http://schemas.microsoft.com/office/powerpoint/2010/main" val="3075208244"/>
-      </p:ext>
-    </p:extLst>
-  </p:cSld>
-  <p:clrMapOvr>
-    <a:masterClrMapping/>
-  </p:clrMapOvr>
-</p:sld>
-</file>
-
-<file path=ppt/slides/slide28.xml><?xml version="1.0" encoding="utf-8"?>
-<p:sld xmlns:a="http://schemas.openxmlformats.org/drawingml/2006/main" xmlns:r="http://schemas.openxmlformats.org/officeDocument/2006/relationships" xmlns:p="http://schemas.openxmlformats.org/presentationml/2006/main">
-  <p:cSld>
-    <p:spTree>
-      <p:nvGrpSpPr>
-        <p:cNvPr id="1" name=""/>
-        <p:cNvGrpSpPr/>
-        <p:nvPr/>
-      </p:nvGrpSpPr>
-      <p:grpSpPr>
-        <a:xfrm>
-          <a:off x="0" y="0"/>
-          <a:ext cx="0" cy="0"/>
-          <a:chOff x="0" y="0"/>
-          <a:chExt cx="0" cy="0"/>
-        </a:xfrm>
-      </p:grpSpPr>
-      <p:sp>
-        <p:nvSpPr>
           <p:cNvPr id="2" name="Title 1"/>
           <p:cNvSpPr>
             <a:spLocks noGrp="1"/>
@@ -9795,7 +9493,7 @@
 </p:sld>
 </file>
 
-<file path=ppt/slides/slide29.xml><?xml version="1.0" encoding="utf-8"?>
+<file path=ppt/slides/slide28.xml><?xml version="1.0" encoding="utf-8"?>
 <p:sld xmlns:a="http://schemas.openxmlformats.org/drawingml/2006/main" xmlns:r="http://schemas.openxmlformats.org/officeDocument/2006/relationships" xmlns:p="http://schemas.openxmlformats.org/presentationml/2006/main">
   <p:cSld>
     <p:spTree>
